--- a/figures/figure.pptx
+++ b/figures/figure.pptx
@@ -289,7 +289,7 @@
           <a:p>
             <a:fld id="{0D977C7F-7075-1A41-BD3D-C5BBB84DB094}" type="datetimeFigureOut">
               <a:rPr lang="en-US" smtClean="0"/>
-              <a:t>15. 3. 1.</a:t>
+              <a:t>15. 3. 2.</a:t>
             </a:fld>
             <a:endParaRPr lang="en-US"/>
           </a:p>
@@ -459,7 +459,7 @@
           <a:p>
             <a:fld id="{0D977C7F-7075-1A41-BD3D-C5BBB84DB094}" type="datetimeFigureOut">
               <a:rPr lang="en-US" smtClean="0"/>
-              <a:t>15. 3. 1.</a:t>
+              <a:t>15. 3. 2.</a:t>
             </a:fld>
             <a:endParaRPr lang="en-US"/>
           </a:p>
@@ -639,7 +639,7 @@
           <a:p>
             <a:fld id="{0D977C7F-7075-1A41-BD3D-C5BBB84DB094}" type="datetimeFigureOut">
               <a:rPr lang="en-US" smtClean="0"/>
-              <a:t>15. 3. 1.</a:t>
+              <a:t>15. 3. 2.</a:t>
             </a:fld>
             <a:endParaRPr lang="en-US"/>
           </a:p>
@@ -809,7 +809,7 @@
           <a:p>
             <a:fld id="{0D977C7F-7075-1A41-BD3D-C5BBB84DB094}" type="datetimeFigureOut">
               <a:rPr lang="en-US" smtClean="0"/>
-              <a:t>15. 3. 1.</a:t>
+              <a:t>15. 3. 2.</a:t>
             </a:fld>
             <a:endParaRPr lang="en-US"/>
           </a:p>
@@ -1055,7 +1055,7 @@
           <a:p>
             <a:fld id="{0D977C7F-7075-1A41-BD3D-C5BBB84DB094}" type="datetimeFigureOut">
               <a:rPr lang="en-US" smtClean="0"/>
-              <a:t>15. 3. 1.</a:t>
+              <a:t>15. 3. 2.</a:t>
             </a:fld>
             <a:endParaRPr lang="en-US"/>
           </a:p>
@@ -1343,7 +1343,7 @@
           <a:p>
             <a:fld id="{0D977C7F-7075-1A41-BD3D-C5BBB84DB094}" type="datetimeFigureOut">
               <a:rPr lang="en-US" smtClean="0"/>
-              <a:t>15. 3. 1.</a:t>
+              <a:t>15. 3. 2.</a:t>
             </a:fld>
             <a:endParaRPr lang="en-US"/>
           </a:p>
@@ -1765,7 +1765,7 @@
           <a:p>
             <a:fld id="{0D977C7F-7075-1A41-BD3D-C5BBB84DB094}" type="datetimeFigureOut">
               <a:rPr lang="en-US" smtClean="0"/>
-              <a:t>15. 3. 1.</a:t>
+              <a:t>15. 3. 2.</a:t>
             </a:fld>
             <a:endParaRPr lang="en-US"/>
           </a:p>
@@ -1883,7 +1883,7 @@
           <a:p>
             <a:fld id="{0D977C7F-7075-1A41-BD3D-C5BBB84DB094}" type="datetimeFigureOut">
               <a:rPr lang="en-US" smtClean="0"/>
-              <a:t>15. 3. 1.</a:t>
+              <a:t>15. 3. 2.</a:t>
             </a:fld>
             <a:endParaRPr lang="en-US"/>
           </a:p>
@@ -1978,7 +1978,7 @@
           <a:p>
             <a:fld id="{0D977C7F-7075-1A41-BD3D-C5BBB84DB094}" type="datetimeFigureOut">
               <a:rPr lang="en-US" smtClean="0"/>
-              <a:t>15. 3. 1.</a:t>
+              <a:t>15. 3. 2.</a:t>
             </a:fld>
             <a:endParaRPr lang="en-US"/>
           </a:p>
@@ -2255,7 +2255,7 @@
           <a:p>
             <a:fld id="{0D977C7F-7075-1A41-BD3D-C5BBB84DB094}" type="datetimeFigureOut">
               <a:rPr lang="en-US" smtClean="0"/>
-              <a:t>15. 3. 1.</a:t>
+              <a:t>15. 3. 2.</a:t>
             </a:fld>
             <a:endParaRPr lang="en-US"/>
           </a:p>
@@ -2508,7 +2508,7 @@
           <a:p>
             <a:fld id="{0D977C7F-7075-1A41-BD3D-C5BBB84DB094}" type="datetimeFigureOut">
               <a:rPr lang="en-US" smtClean="0"/>
-              <a:t>15. 3. 1.</a:t>
+              <a:t>15. 3. 2.</a:t>
             </a:fld>
             <a:endParaRPr lang="en-US"/>
           </a:p>
@@ -2721,7 +2721,7 @@
           <a:p>
             <a:fld id="{0D977C7F-7075-1A41-BD3D-C5BBB84DB094}" type="datetimeFigureOut">
               <a:rPr lang="en-US" smtClean="0"/>
-              <a:t>15. 3. 1.</a:t>
+              <a:t>15. 3. 2.</a:t>
             </a:fld>
             <a:endParaRPr lang="en-US"/>
           </a:p>
@@ -3602,57 +3602,6 @@
           </a:p>
         </p:txBody>
       </p:sp>
-      <p:sp>
-        <p:nvSpPr>
-          <p:cNvPr id="221" name="Isosceles Triangle 220"/>
-          <p:cNvSpPr/>
-          <p:nvPr/>
-        </p:nvSpPr>
-        <p:spPr>
-          <a:xfrm>
-            <a:off x="1580299" y="2705262"/>
-            <a:ext cx="385704" cy="270986"/>
-          </a:xfrm>
-          <a:prstGeom prst="triangle">
-            <a:avLst/>
-          </a:prstGeom>
-          <a:noFill/>
-          <a:ln>
-            <a:noFill/>
-          </a:ln>
-          <a:effectLst/>
-        </p:spPr>
-        <p:style>
-          <a:lnRef idx="1">
-            <a:schemeClr val="accent5"/>
-          </a:lnRef>
-          <a:fillRef idx="2">
-            <a:schemeClr val="accent5"/>
-          </a:fillRef>
-          <a:effectRef idx="1">
-            <a:schemeClr val="accent5"/>
-          </a:effectRef>
-          <a:fontRef idx="minor">
-            <a:schemeClr val="dk1"/>
-          </a:fontRef>
-        </p:style>
-        <p:txBody>
-          <a:bodyPr rot="0" spcFirstLastPara="0" vertOverflow="overflow" horzOverflow="overflow" vert="horz" wrap="square" lIns="91440" tIns="45720" rIns="91440" bIns="45720" numCol="1" spcCol="0" rtlCol="0" fromWordArt="0" anchor="ctr" anchorCtr="0" forceAA="0" compatLnSpc="1">
-            <a:prstTxWarp prst="textNoShape">
-              <a:avLst/>
-            </a:prstTxWarp>
-            <a:noAutofit/>
-          </a:bodyPr>
-          <a:lstStyle/>
-          <a:p>
-            <a:pPr algn="ctr"/>
-            <a:endParaRPr lang="en-US" sz="1200" dirty="0" smtClean="0">
-              <a:latin typeface="Verdana"/>
-              <a:cs typeface="Verdana"/>
-            </a:endParaRPr>
-          </a:p>
-        </p:txBody>
-      </p:sp>
       <p:grpSp>
         <p:nvGrpSpPr>
           <p:cNvPr id="222" name="Group 221"/>
@@ -4128,7 +4077,7 @@
         </p:nvSpPr>
         <p:spPr>
           <a:xfrm>
-            <a:off x="1984852" y="3369757"/>
+            <a:off x="1984852" y="3412092"/>
             <a:ext cx="1125776" cy="369332"/>
           </a:xfrm>
           <a:prstGeom prst="rect">
@@ -4163,7 +4112,7 @@
         </p:nvCxnSpPr>
         <p:spPr>
           <a:xfrm flipH="1">
-            <a:off x="1462478" y="3206068"/>
+            <a:off x="1462478" y="3248403"/>
             <a:ext cx="52675" cy="165185"/>
           </a:xfrm>
           <a:prstGeom prst="line">
@@ -4201,7 +4150,7 @@
         </p:nvCxnSpPr>
         <p:spPr>
           <a:xfrm flipH="1">
-            <a:off x="1768902" y="3207956"/>
+            <a:off x="1768902" y="3250291"/>
             <a:ext cx="2128" cy="153609"/>
           </a:xfrm>
           <a:prstGeom prst="line">
@@ -4236,7 +4185,7 @@
         </p:nvSpPr>
         <p:spPr>
           <a:xfrm>
-            <a:off x="870723" y="3918041"/>
+            <a:off x="870723" y="3960376"/>
             <a:ext cx="995297" cy="150518"/>
           </a:xfrm>
           <a:prstGeom prst="rect">
@@ -4293,7 +4242,7 @@
         </p:nvSpPr>
         <p:spPr>
           <a:xfrm>
-            <a:off x="913654" y="3679380"/>
+            <a:off x="913654" y="3721715"/>
             <a:ext cx="180000" cy="108000"/>
           </a:xfrm>
           <a:prstGeom prst="rect">
@@ -4347,7 +4296,7 @@
         </p:nvSpPr>
         <p:spPr>
           <a:xfrm>
-            <a:off x="1169531" y="3681268"/>
+            <a:off x="1169531" y="3723603"/>
             <a:ext cx="180000" cy="108000"/>
           </a:xfrm>
           <a:prstGeom prst="rect">
@@ -4401,7 +4350,7 @@
         </p:nvSpPr>
         <p:spPr>
           <a:xfrm>
-            <a:off x="1432927" y="3681268"/>
+            <a:off x="1432927" y="3723603"/>
             <a:ext cx="180000" cy="108000"/>
           </a:xfrm>
           <a:prstGeom prst="rect">
@@ -4455,7 +4404,7 @@
         </p:nvSpPr>
         <p:spPr>
           <a:xfrm>
-            <a:off x="1688804" y="3683156"/>
+            <a:off x="1688804" y="3725491"/>
             <a:ext cx="180000" cy="108000"/>
           </a:xfrm>
           <a:prstGeom prst="rect">
@@ -4511,7 +4460,7 @@
         </p:nvCxnSpPr>
         <p:spPr>
           <a:xfrm>
-            <a:off x="1003654" y="3787380"/>
+            <a:off x="1003654" y="3829715"/>
             <a:ext cx="149576" cy="108000"/>
           </a:xfrm>
           <a:prstGeom prst="line">
@@ -4542,7 +4491,7 @@
         </p:nvCxnSpPr>
         <p:spPr>
           <a:xfrm flipH="1">
-            <a:off x="1144764" y="3789268"/>
+            <a:off x="1144764" y="3831603"/>
             <a:ext cx="106301" cy="108000"/>
           </a:xfrm>
           <a:prstGeom prst="line">
@@ -4575,7 +4524,7 @@
         </p:nvCxnSpPr>
         <p:spPr>
           <a:xfrm>
-            <a:off x="1522927" y="3789268"/>
+            <a:off x="1522927" y="3831603"/>
             <a:ext cx="149576" cy="106198"/>
           </a:xfrm>
           <a:prstGeom prst="line">
@@ -4606,7 +4555,7 @@
         </p:nvCxnSpPr>
         <p:spPr>
           <a:xfrm flipH="1">
-            <a:off x="1664037" y="3791156"/>
+            <a:off x="1664037" y="3833491"/>
             <a:ext cx="106301" cy="108000"/>
           </a:xfrm>
           <a:prstGeom prst="line">
@@ -4639,7 +4588,7 @@
         </p:nvCxnSpPr>
         <p:spPr>
           <a:xfrm>
-            <a:off x="1143249" y="3594557"/>
+            <a:off x="1143249" y="3636892"/>
             <a:ext cx="1515" cy="300823"/>
           </a:xfrm>
           <a:prstGeom prst="line">
@@ -4677,7 +4626,7 @@
         </p:nvCxnSpPr>
         <p:spPr>
           <a:xfrm flipH="1">
-            <a:off x="1522927" y="3523491"/>
+            <a:off x="1522927" y="3565826"/>
             <a:ext cx="206106" cy="157777"/>
           </a:xfrm>
           <a:prstGeom prst="line">
@@ -4715,7 +4664,7 @@
         </p:nvCxnSpPr>
         <p:spPr>
           <a:xfrm>
-            <a:off x="1462478" y="3531179"/>
+            <a:off x="1462478" y="3573514"/>
             <a:ext cx="316326" cy="151977"/>
           </a:xfrm>
           <a:prstGeom prst="line">
@@ -4750,8 +4699,8 @@
         </p:nvSpPr>
         <p:spPr>
           <a:xfrm>
-            <a:off x="1073886" y="2125195"/>
-            <a:ext cx="294486" cy="719999"/>
+            <a:off x="1073886" y="2125194"/>
+            <a:ext cx="294486" cy="756000"/>
           </a:xfrm>
           <a:prstGeom prst="downArrow">
             <a:avLst/>
@@ -4791,7 +4740,7 @@
         </p:nvSpPr>
         <p:spPr>
           <a:xfrm>
-            <a:off x="788605" y="2861539"/>
+            <a:off x="788605" y="2903874"/>
             <a:ext cx="1152000" cy="1259986"/>
           </a:xfrm>
           <a:prstGeom prst="flowChartAlternateProcess">
@@ -4839,45 +4788,13 @@
       </p:sp>
       <p:sp>
         <p:nvSpPr>
-          <p:cNvPr id="263" name="TextBox 262"/>
-          <p:cNvSpPr txBox="1"/>
-          <p:nvPr/>
-        </p:nvSpPr>
-        <p:spPr>
-          <a:xfrm>
-            <a:off x="1434869" y="2171422"/>
-            <a:ext cx="1402534" cy="230832"/>
-          </a:xfrm>
-          <a:prstGeom prst="rect">
-            <a:avLst/>
-          </a:prstGeom>
-          <a:noFill/>
-        </p:spPr>
-        <p:txBody>
-          <a:bodyPr wrap="square" rtlCol="0">
-            <a:spAutoFit/>
-          </a:bodyPr>
-          <a:lstStyle/>
-          <a:p>
-            <a:r>
-              <a:rPr lang="en-US" sz="900" dirty="0" smtClean="0">
-                <a:latin typeface="Verdana"/>
-                <a:cs typeface="Verdana"/>
-              </a:rPr>
-              <a:t>adding alignments</a:t>
-            </a:r>
-          </a:p>
-        </p:txBody>
-      </p:sp>
-      <p:sp>
-        <p:nvSpPr>
           <p:cNvPr id="264" name="Rectangle 263"/>
           <p:cNvSpPr/>
           <p:nvPr/>
         </p:nvSpPr>
         <p:spPr>
           <a:xfrm>
-            <a:off x="859756" y="2917030"/>
+            <a:off x="859756" y="2959365"/>
             <a:ext cx="995297" cy="150518"/>
           </a:xfrm>
           <a:prstGeom prst="rect">
@@ -4934,7 +4851,7 @@
         </p:nvSpPr>
         <p:spPr>
           <a:xfrm>
-            <a:off x="905880" y="3096180"/>
+            <a:off x="905880" y="3138515"/>
             <a:ext cx="180000" cy="108000"/>
           </a:xfrm>
           <a:prstGeom prst="rect">
@@ -4988,7 +4905,7 @@
         </p:nvSpPr>
         <p:spPr>
           <a:xfrm>
-            <a:off x="1161757" y="3098068"/>
+            <a:off x="1161757" y="3140403"/>
             <a:ext cx="180000" cy="108000"/>
           </a:xfrm>
           <a:prstGeom prst="rect">
@@ -5042,7 +4959,7 @@
         </p:nvSpPr>
         <p:spPr>
           <a:xfrm>
-            <a:off x="1425153" y="3098068"/>
+            <a:off x="1425153" y="3140403"/>
             <a:ext cx="180000" cy="108000"/>
           </a:xfrm>
           <a:prstGeom prst="rect">
@@ -5096,7 +5013,7 @@
         </p:nvSpPr>
         <p:spPr>
           <a:xfrm>
-            <a:off x="1681030" y="3099956"/>
+            <a:off x="1681030" y="3142291"/>
             <a:ext cx="180000" cy="108000"/>
           </a:xfrm>
           <a:prstGeom prst="rect">
@@ -5150,7 +5067,7 @@
         </p:nvSpPr>
         <p:spPr>
           <a:xfrm>
-            <a:off x="1240789" y="3308798"/>
+            <a:off x="1240789" y="3351133"/>
             <a:ext cx="180000" cy="108000"/>
           </a:xfrm>
           <a:prstGeom prst="rect">
@@ -5202,7 +5119,7 @@
         </p:nvCxnSpPr>
         <p:spPr>
           <a:xfrm>
-            <a:off x="995880" y="3204180"/>
+            <a:off x="995880" y="3246515"/>
             <a:ext cx="197761" cy="109888"/>
           </a:xfrm>
           <a:prstGeom prst="line">
@@ -5235,7 +5152,7 @@
         </p:nvCxnSpPr>
         <p:spPr>
           <a:xfrm flipV="1">
-            <a:off x="1193641" y="3206068"/>
+            <a:off x="1193641" y="3248403"/>
             <a:ext cx="321512" cy="108000"/>
           </a:xfrm>
           <a:prstGeom prst="line">
@@ -5268,7 +5185,7 @@
         </p:nvCxnSpPr>
         <p:spPr>
           <a:xfrm>
-            <a:off x="1251756" y="3206068"/>
+            <a:off x="1251756" y="3248403"/>
             <a:ext cx="36000" cy="72000"/>
           </a:xfrm>
           <a:prstGeom prst="line">
@@ -5301,7 +5218,7 @@
         </p:nvCxnSpPr>
         <p:spPr>
           <a:xfrm flipH="1">
-            <a:off x="1143249" y="3304415"/>
+            <a:off x="1143249" y="3346750"/>
             <a:ext cx="50392" cy="130216"/>
           </a:xfrm>
           <a:prstGeom prst="line">
@@ -5336,7 +5253,7 @@
         </p:nvSpPr>
         <p:spPr>
           <a:xfrm>
-            <a:off x="1679317" y="3361565"/>
+            <a:off x="1679317" y="3403900"/>
             <a:ext cx="179170" cy="161925"/>
           </a:xfrm>
           <a:prstGeom prst="star7">
@@ -5396,7 +5313,7 @@
         </p:nvSpPr>
         <p:spPr>
           <a:xfrm>
-            <a:off x="1064361" y="3434631"/>
+            <a:off x="1064361" y="3476966"/>
             <a:ext cx="157775" cy="159926"/>
           </a:xfrm>
           <a:prstGeom prst="ellipse">
@@ -5461,7 +5378,7 @@
         </p:nvSpPr>
         <p:spPr>
           <a:xfrm>
-            <a:off x="1378989" y="3371253"/>
+            <a:off x="1378989" y="3413588"/>
             <a:ext cx="166978" cy="159926"/>
           </a:xfrm>
           <a:prstGeom prst="triangle">
@@ -5526,7 +5443,7 @@
         </p:nvSpPr>
         <p:spPr>
           <a:xfrm>
-            <a:off x="1051396" y="4142616"/>
+            <a:off x="1051396" y="4184951"/>
             <a:ext cx="294486" cy="215997"/>
           </a:xfrm>
           <a:prstGeom prst="downArrow">
@@ -5567,7 +5484,7 @@
         </p:nvSpPr>
         <p:spPr>
           <a:xfrm>
-            <a:off x="1299038" y="4119713"/>
+            <a:off x="1299038" y="4162048"/>
             <a:ext cx="1234688" cy="229615"/>
           </a:xfrm>
           <a:prstGeom prst="roundRect">
@@ -5615,7 +5532,7 @@
         </p:nvGrpSpPr>
         <p:grpSpPr>
           <a:xfrm>
-            <a:off x="852599" y="4412804"/>
+            <a:off x="852599" y="4455139"/>
             <a:ext cx="995297" cy="155686"/>
             <a:chOff x="2017110" y="5160359"/>
             <a:chExt cx="995297" cy="155686"/>
@@ -5966,7 +5883,7 @@
         </p:nvSpPr>
         <p:spPr>
           <a:xfrm>
-            <a:off x="1965765" y="4371930"/>
+            <a:off x="1965765" y="4414265"/>
             <a:ext cx="1048368" cy="246221"/>
           </a:xfrm>
           <a:prstGeom prst="rect">
@@ -5998,7 +5915,7 @@
         </p:nvGrpSpPr>
         <p:grpSpPr>
           <a:xfrm>
-            <a:off x="1047345" y="4609490"/>
+            <a:off x="1047345" y="4651825"/>
             <a:ext cx="1722315" cy="228071"/>
             <a:chOff x="5567484" y="5396837"/>
             <a:chExt cx="1722315" cy="228071"/>
@@ -6241,7 +6158,7 @@
         </p:nvSpPr>
         <p:spPr>
           <a:xfrm>
-            <a:off x="764225" y="4807457"/>
+            <a:off x="764225" y="4849792"/>
             <a:ext cx="1641367" cy="230832"/>
           </a:xfrm>
           <a:prstGeom prst="rect">
@@ -6273,7 +6190,7 @@
         </p:nvGrpSpPr>
         <p:grpSpPr>
           <a:xfrm>
-            <a:off x="856467" y="2194468"/>
+            <a:off x="856467" y="2186001"/>
             <a:ext cx="616693" cy="431999"/>
             <a:chOff x="1567137" y="2806388"/>
             <a:chExt cx="563770" cy="372537"/>
@@ -6468,7 +6385,7 @@
         </p:nvSpPr>
         <p:spPr>
           <a:xfrm>
-            <a:off x="1906172" y="2925445"/>
+            <a:off x="1906172" y="2967780"/>
             <a:ext cx="922764" cy="415498"/>
           </a:xfrm>
           <a:prstGeom prst="rect">
@@ -6492,6 +6409,206 @@
           </a:p>
         </p:txBody>
       </p:sp>
+      <p:sp>
+        <p:nvSpPr>
+          <p:cNvPr id="2" name="Cloud 1"/>
+          <p:cNvSpPr/>
+          <p:nvPr/>
+        </p:nvSpPr>
+        <p:spPr>
+          <a:xfrm>
+            <a:off x="1636164" y="2191222"/>
+            <a:ext cx="1133496" cy="418311"/>
+          </a:xfrm>
+          <a:prstGeom prst="cloud">
+            <a:avLst/>
+          </a:prstGeom>
+          <a:noFill/>
+        </p:spPr>
+        <p:style>
+          <a:lnRef idx="1">
+            <a:schemeClr val="accent5"/>
+          </a:lnRef>
+          <a:fillRef idx="2">
+            <a:schemeClr val="accent5"/>
+          </a:fillRef>
+          <a:effectRef idx="1">
+            <a:schemeClr val="accent5"/>
+          </a:effectRef>
+          <a:fontRef idx="minor">
+            <a:schemeClr val="dk1"/>
+          </a:fontRef>
+        </p:style>
+        <p:txBody>
+          <a:bodyPr rtlCol="0" anchor="ctr"/>
+          <a:lstStyle/>
+          <a:p>
+            <a:pPr algn="ctr"/>
+            <a:r>
+              <a:rPr lang="en-US" sz="800" dirty="0" smtClean="0">
+                <a:latin typeface="Verdana"/>
+                <a:cs typeface="Verdana"/>
+              </a:rPr>
+              <a:t>knowledge resource</a:t>
+            </a:r>
+            <a:endParaRPr lang="en-US" sz="800" dirty="0" smtClean="0">
+              <a:latin typeface="Verdana"/>
+              <a:cs typeface="Verdana"/>
+            </a:endParaRPr>
+          </a:p>
+        </p:txBody>
+      </p:sp>
+      <p:sp>
+        <p:nvSpPr>
+          <p:cNvPr id="82" name="Rounded Rectangle 81"/>
+          <p:cNvSpPr/>
+          <p:nvPr/>
+        </p:nvSpPr>
+        <p:spPr>
+          <a:xfrm>
+            <a:off x="1336021" y="2618000"/>
+            <a:ext cx="1201537" cy="213824"/>
+          </a:xfrm>
+          <a:prstGeom prst="roundRect">
+            <a:avLst/>
+          </a:prstGeom>
+          <a:noFill/>
+          <a:ln>
+            <a:noFill/>
+          </a:ln>
+        </p:spPr>
+        <p:style>
+          <a:lnRef idx="1">
+            <a:schemeClr val="accent5"/>
+          </a:lnRef>
+          <a:fillRef idx="2">
+            <a:schemeClr val="accent5"/>
+          </a:fillRef>
+          <a:effectRef idx="1">
+            <a:schemeClr val="accent5"/>
+          </a:effectRef>
+          <a:fontRef idx="minor">
+            <a:schemeClr val="dk1"/>
+          </a:fontRef>
+        </p:style>
+        <p:txBody>
+          <a:bodyPr lIns="0" tIns="0" rIns="0" bIns="0" rtlCol="0" anchor="ctr"/>
+          <a:lstStyle/>
+          <a:p>
+            <a:pPr algn="ctr"/>
+            <a:r>
+              <a:rPr lang="en-US" sz="900" dirty="0" smtClean="0">
+                <a:latin typeface="Verdana"/>
+                <a:cs typeface="Verdana"/>
+              </a:rPr>
+              <a:t>adding alignments</a:t>
+            </a:r>
+            <a:endParaRPr lang="en-US" sz="900" dirty="0" smtClean="0">
+              <a:latin typeface="Verdana"/>
+              <a:cs typeface="Verdana"/>
+            </a:endParaRPr>
+          </a:p>
+        </p:txBody>
+      </p:sp>
+      <p:cxnSp>
+        <p:nvCxnSpPr>
+          <p:cNvPr id="4" name="Straight Connector 3"/>
+          <p:cNvCxnSpPr>
+            <a:stCxn id="306" idx="3"/>
+            <a:endCxn id="2" idx="2"/>
+          </p:cNvCxnSpPr>
+          <p:nvPr/>
+        </p:nvCxnSpPr>
+        <p:spPr>
+          <a:xfrm>
+            <a:off x="1468446" y="2258001"/>
+            <a:ext cx="171234" cy="142377"/>
+          </a:xfrm>
+          <a:prstGeom prst="line">
+            <a:avLst/>
+          </a:prstGeom>
+        </p:spPr>
+        <p:style>
+          <a:lnRef idx="2">
+            <a:schemeClr val="accent1"/>
+          </a:lnRef>
+          <a:fillRef idx="0">
+            <a:schemeClr val="accent1"/>
+          </a:fillRef>
+          <a:effectRef idx="1">
+            <a:schemeClr val="accent1"/>
+          </a:effectRef>
+          <a:fontRef idx="minor">
+            <a:schemeClr val="tx1"/>
+          </a:fontRef>
+        </p:style>
+      </p:cxnSp>
+      <p:cxnSp>
+        <p:nvCxnSpPr>
+          <p:cNvPr id="6" name="Straight Connector 5"/>
+          <p:cNvCxnSpPr>
+            <a:stCxn id="307" idx="3"/>
+            <a:endCxn id="2" idx="2"/>
+          </p:cNvCxnSpPr>
+          <p:nvPr/>
+        </p:nvCxnSpPr>
+        <p:spPr>
+          <a:xfrm flipV="1">
+            <a:off x="1470803" y="2400378"/>
+            <a:ext cx="168877" cy="1623"/>
+          </a:xfrm>
+          <a:prstGeom prst="line">
+            <a:avLst/>
+          </a:prstGeom>
+        </p:spPr>
+        <p:style>
+          <a:lnRef idx="2">
+            <a:schemeClr val="accent1"/>
+          </a:lnRef>
+          <a:fillRef idx="0">
+            <a:schemeClr val="accent1"/>
+          </a:fillRef>
+          <a:effectRef idx="1">
+            <a:schemeClr val="accent1"/>
+          </a:effectRef>
+          <a:fontRef idx="minor">
+            <a:schemeClr val="tx1"/>
+          </a:fontRef>
+        </p:style>
+      </p:cxnSp>
+      <p:cxnSp>
+        <p:nvCxnSpPr>
+          <p:cNvPr id="8" name="Straight Connector 7"/>
+          <p:cNvCxnSpPr>
+            <a:stCxn id="308" idx="3"/>
+            <a:endCxn id="2" idx="2"/>
+          </p:cNvCxnSpPr>
+          <p:nvPr/>
+        </p:nvCxnSpPr>
+        <p:spPr>
+          <a:xfrm flipV="1">
+            <a:off x="1473160" y="2400378"/>
+            <a:ext cx="166520" cy="145622"/>
+          </a:xfrm>
+          <a:prstGeom prst="line">
+            <a:avLst/>
+          </a:prstGeom>
+        </p:spPr>
+        <p:style>
+          <a:lnRef idx="2">
+            <a:schemeClr val="accent1"/>
+          </a:lnRef>
+          <a:fillRef idx="0">
+            <a:schemeClr val="accent1"/>
+          </a:fillRef>
+          <a:effectRef idx="1">
+            <a:schemeClr val="accent1"/>
+          </a:effectRef>
+          <a:fontRef idx="minor">
+            <a:schemeClr val="tx1"/>
+          </a:fontRef>
+        </p:style>
+      </p:cxnSp>
     </p:spTree>
     <p:extLst>
       <p:ext uri="{BB962C8B-B14F-4D97-AF65-F5344CB8AC3E}">

--- a/figures/figure.pptx
+++ b/figures/figure.pptx
@@ -4,6 +4,9 @@
   <p:sldMasterIdLst>
     <p:sldMasterId id="2147483648" r:id="rId1"/>
   </p:sldMasterIdLst>
+  <p:notesMasterIdLst>
+    <p:notesMasterId r:id="rId4"/>
+  </p:notesMasterIdLst>
   <p:sldIdLst>
     <p:sldId id="256" r:id="rId2"/>
     <p:sldId id="257" r:id="rId3"/>
@@ -106,6 +109,440 @@
     </a:lvl9pPr>
   </p:defaultTextStyle>
 </p:presentation>
+</file>
+
+<file path=ppt/notesMasters/notesMaster1.xml><?xml version="1.0" encoding="utf-8"?>
+<p:notesMaster xmlns:a="http://schemas.openxmlformats.org/drawingml/2006/main" xmlns:r="http://schemas.openxmlformats.org/officeDocument/2006/relationships" xmlns:p="http://schemas.openxmlformats.org/presentationml/2006/main">
+  <p:cSld>
+    <p:bg>
+      <p:bgRef idx="1001">
+        <a:schemeClr val="bg1"/>
+      </p:bgRef>
+    </p:bg>
+    <p:spTree>
+      <p:nvGrpSpPr>
+        <p:cNvPr id="1" name=""/>
+        <p:cNvGrpSpPr/>
+        <p:nvPr/>
+      </p:nvGrpSpPr>
+      <p:grpSpPr>
+        <a:xfrm>
+          <a:off x="0" y="0"/>
+          <a:ext cx="0" cy="0"/>
+          <a:chOff x="0" y="0"/>
+          <a:chExt cx="0" cy="0"/>
+        </a:xfrm>
+      </p:grpSpPr>
+      <p:sp>
+        <p:nvSpPr>
+          <p:cNvPr id="2" name="Header Placeholder 1"/>
+          <p:cNvSpPr>
+            <a:spLocks noGrp="1"/>
+          </p:cNvSpPr>
+          <p:nvPr>
+            <p:ph type="hdr" sz="quarter"/>
+          </p:nvPr>
+        </p:nvSpPr>
+        <p:spPr>
+          <a:xfrm>
+            <a:off x="0" y="0"/>
+            <a:ext cx="2971800" cy="457200"/>
+          </a:xfrm>
+          <a:prstGeom prst="rect">
+            <a:avLst/>
+          </a:prstGeom>
+        </p:spPr>
+        <p:txBody>
+          <a:bodyPr vert="horz" lIns="91440" tIns="45720" rIns="91440" bIns="45720" rtlCol="0"/>
+          <a:lstStyle>
+            <a:lvl1pPr algn="l">
+              <a:defRPr sz="1200"/>
+            </a:lvl1pPr>
+          </a:lstStyle>
+          <a:p>
+            <a:endParaRPr lang="en-US"/>
+          </a:p>
+        </p:txBody>
+      </p:sp>
+      <p:sp>
+        <p:nvSpPr>
+          <p:cNvPr id="3" name="Date Placeholder 2"/>
+          <p:cNvSpPr>
+            <a:spLocks noGrp="1"/>
+          </p:cNvSpPr>
+          <p:nvPr>
+            <p:ph type="dt" idx="1"/>
+          </p:nvPr>
+        </p:nvSpPr>
+        <p:spPr>
+          <a:xfrm>
+            <a:off x="3884613" y="0"/>
+            <a:ext cx="2971800" cy="457200"/>
+          </a:xfrm>
+          <a:prstGeom prst="rect">
+            <a:avLst/>
+          </a:prstGeom>
+        </p:spPr>
+        <p:txBody>
+          <a:bodyPr vert="horz" lIns="91440" tIns="45720" rIns="91440" bIns="45720" rtlCol="0"/>
+          <a:lstStyle>
+            <a:lvl1pPr algn="r">
+              <a:defRPr sz="1200"/>
+            </a:lvl1pPr>
+          </a:lstStyle>
+          <a:p>
+            <a:fld id="{E2BD350C-CF83-324D-BBEC-4C932385BAB6}" type="datetimeFigureOut">
+              <a:rPr lang="en-US" smtClean="0"/>
+              <a:t>15. 3. 2.</a:t>
+            </a:fld>
+            <a:endParaRPr lang="en-US"/>
+          </a:p>
+        </p:txBody>
+      </p:sp>
+      <p:sp>
+        <p:nvSpPr>
+          <p:cNvPr id="4" name="Slide Image Placeholder 3"/>
+          <p:cNvSpPr>
+            <a:spLocks noGrp="1" noRot="1" noChangeAspect="1"/>
+          </p:cNvSpPr>
+          <p:nvPr>
+            <p:ph type="sldImg" idx="2"/>
+          </p:nvPr>
+        </p:nvSpPr>
+        <p:spPr>
+          <a:xfrm>
+            <a:off x="1143000" y="685800"/>
+            <a:ext cx="4572000" cy="3429000"/>
+          </a:xfrm>
+          <a:prstGeom prst="rect">
+            <a:avLst/>
+          </a:prstGeom>
+          <a:noFill/>
+          <a:ln w="12700">
+            <a:solidFill>
+              <a:prstClr val="black"/>
+            </a:solidFill>
+          </a:ln>
+        </p:spPr>
+        <p:txBody>
+          <a:bodyPr vert="horz" lIns="91440" tIns="45720" rIns="91440" bIns="45720" rtlCol="0" anchor="ctr"/>
+          <a:lstStyle/>
+          <a:p>
+            <a:endParaRPr lang="en-US"/>
+          </a:p>
+        </p:txBody>
+      </p:sp>
+      <p:sp>
+        <p:nvSpPr>
+          <p:cNvPr id="5" name="Notes Placeholder 4"/>
+          <p:cNvSpPr>
+            <a:spLocks noGrp="1"/>
+          </p:cNvSpPr>
+          <p:nvPr>
+            <p:ph type="body" sz="quarter" idx="3"/>
+          </p:nvPr>
+        </p:nvSpPr>
+        <p:spPr>
+          <a:xfrm>
+            <a:off x="685800" y="4343400"/>
+            <a:ext cx="5486400" cy="4114800"/>
+          </a:xfrm>
+          <a:prstGeom prst="rect">
+            <a:avLst/>
+          </a:prstGeom>
+        </p:spPr>
+        <p:txBody>
+          <a:bodyPr vert="horz" lIns="91440" tIns="45720" rIns="91440" bIns="45720" rtlCol="0"/>
+          <a:lstStyle/>
+          <a:p>
+            <a:pPr lvl="0"/>
+            <a:r>
+              <a:rPr lang="en-US" smtClean="0"/>
+              <a:t>Click to edit Master text styles</a:t>
+            </a:r>
+          </a:p>
+          <a:p>
+            <a:pPr lvl="1"/>
+            <a:r>
+              <a:rPr lang="en-US" smtClean="0"/>
+              <a:t>Second level</a:t>
+            </a:r>
+          </a:p>
+          <a:p>
+            <a:pPr lvl="2"/>
+            <a:r>
+              <a:rPr lang="en-US" smtClean="0"/>
+              <a:t>Third level</a:t>
+            </a:r>
+          </a:p>
+          <a:p>
+            <a:pPr lvl="3"/>
+            <a:r>
+              <a:rPr lang="en-US" smtClean="0"/>
+              <a:t>Fourth level</a:t>
+            </a:r>
+          </a:p>
+          <a:p>
+            <a:pPr lvl="4"/>
+            <a:r>
+              <a:rPr lang="en-US" smtClean="0"/>
+              <a:t>Fifth level</a:t>
+            </a:r>
+            <a:endParaRPr lang="en-US"/>
+          </a:p>
+        </p:txBody>
+      </p:sp>
+      <p:sp>
+        <p:nvSpPr>
+          <p:cNvPr id="6" name="Footer Placeholder 5"/>
+          <p:cNvSpPr>
+            <a:spLocks noGrp="1"/>
+          </p:cNvSpPr>
+          <p:nvPr>
+            <p:ph type="ftr" sz="quarter" idx="4"/>
+          </p:nvPr>
+        </p:nvSpPr>
+        <p:spPr>
+          <a:xfrm>
+            <a:off x="0" y="8685213"/>
+            <a:ext cx="2971800" cy="457200"/>
+          </a:xfrm>
+          <a:prstGeom prst="rect">
+            <a:avLst/>
+          </a:prstGeom>
+        </p:spPr>
+        <p:txBody>
+          <a:bodyPr vert="horz" lIns="91440" tIns="45720" rIns="91440" bIns="45720" rtlCol="0" anchor="b"/>
+          <a:lstStyle>
+            <a:lvl1pPr algn="l">
+              <a:defRPr sz="1200"/>
+            </a:lvl1pPr>
+          </a:lstStyle>
+          <a:p>
+            <a:endParaRPr lang="en-US"/>
+          </a:p>
+        </p:txBody>
+      </p:sp>
+      <p:sp>
+        <p:nvSpPr>
+          <p:cNvPr id="7" name="Slide Number Placeholder 6"/>
+          <p:cNvSpPr>
+            <a:spLocks noGrp="1"/>
+          </p:cNvSpPr>
+          <p:nvPr>
+            <p:ph type="sldNum" sz="quarter" idx="5"/>
+          </p:nvPr>
+        </p:nvSpPr>
+        <p:spPr>
+          <a:xfrm>
+            <a:off x="3884613" y="8685213"/>
+            <a:ext cx="2971800" cy="457200"/>
+          </a:xfrm>
+          <a:prstGeom prst="rect">
+            <a:avLst/>
+          </a:prstGeom>
+        </p:spPr>
+        <p:txBody>
+          <a:bodyPr vert="horz" lIns="91440" tIns="45720" rIns="91440" bIns="45720" rtlCol="0" anchor="b"/>
+          <a:lstStyle>
+            <a:lvl1pPr algn="r">
+              <a:defRPr sz="1200"/>
+            </a:lvl1pPr>
+          </a:lstStyle>
+          <a:p>
+            <a:fld id="{CCF3DFB5-95E8-8C40-B1B6-D97D156CF8D6}" type="slidenum">
+              <a:rPr lang="en-US" smtClean="0"/>
+              <a:t>‹#›</a:t>
+            </a:fld>
+            <a:endParaRPr lang="en-US"/>
+          </a:p>
+        </p:txBody>
+      </p:sp>
+    </p:spTree>
+    <p:extLst>
+      <p:ext uri="{BB962C8B-B14F-4D97-AF65-F5344CB8AC3E}">
+        <p14:creationId xmlns:p14="http://schemas.microsoft.com/office/powerpoint/2010/main" val="1933253646"/>
+      </p:ext>
+    </p:extLst>
+  </p:cSld>
+  <p:clrMap bg1="lt1" tx1="dk1" bg2="lt2" tx2="dk2" accent1="accent1" accent2="accent2" accent3="accent3" accent4="accent4" accent5="accent5" accent6="accent6" hlink="hlink" folHlink="folHlink"/>
+  <p:notesStyle>
+    <a:lvl1pPr marL="0" algn="l" defTabSz="457200" rtl="0" eaLnBrk="1" latinLnBrk="0" hangingPunct="1">
+      <a:defRPr sz="1200" kern="1200">
+        <a:solidFill>
+          <a:schemeClr val="tx1"/>
+        </a:solidFill>
+        <a:latin typeface="+mn-lt"/>
+        <a:ea typeface="+mn-ea"/>
+        <a:cs typeface="+mn-cs"/>
+      </a:defRPr>
+    </a:lvl1pPr>
+    <a:lvl2pPr marL="457200" algn="l" defTabSz="457200" rtl="0" eaLnBrk="1" latinLnBrk="0" hangingPunct="1">
+      <a:defRPr sz="1200" kern="1200">
+        <a:solidFill>
+          <a:schemeClr val="tx1"/>
+        </a:solidFill>
+        <a:latin typeface="+mn-lt"/>
+        <a:ea typeface="+mn-ea"/>
+        <a:cs typeface="+mn-cs"/>
+      </a:defRPr>
+    </a:lvl2pPr>
+    <a:lvl3pPr marL="914400" algn="l" defTabSz="457200" rtl="0" eaLnBrk="1" latinLnBrk="0" hangingPunct="1">
+      <a:defRPr sz="1200" kern="1200">
+        <a:solidFill>
+          <a:schemeClr val="tx1"/>
+        </a:solidFill>
+        <a:latin typeface="+mn-lt"/>
+        <a:ea typeface="+mn-ea"/>
+        <a:cs typeface="+mn-cs"/>
+      </a:defRPr>
+    </a:lvl3pPr>
+    <a:lvl4pPr marL="1371600" algn="l" defTabSz="457200" rtl="0" eaLnBrk="1" latinLnBrk="0" hangingPunct="1">
+      <a:defRPr sz="1200" kern="1200">
+        <a:solidFill>
+          <a:schemeClr val="tx1"/>
+        </a:solidFill>
+        <a:latin typeface="+mn-lt"/>
+        <a:ea typeface="+mn-ea"/>
+        <a:cs typeface="+mn-cs"/>
+      </a:defRPr>
+    </a:lvl4pPr>
+    <a:lvl5pPr marL="1828800" algn="l" defTabSz="457200" rtl="0" eaLnBrk="1" latinLnBrk="0" hangingPunct="1">
+      <a:defRPr sz="1200" kern="1200">
+        <a:solidFill>
+          <a:schemeClr val="tx1"/>
+        </a:solidFill>
+        <a:latin typeface="+mn-lt"/>
+        <a:ea typeface="+mn-ea"/>
+        <a:cs typeface="+mn-cs"/>
+      </a:defRPr>
+    </a:lvl5pPr>
+    <a:lvl6pPr marL="2286000" algn="l" defTabSz="457200" rtl="0" eaLnBrk="1" latinLnBrk="0" hangingPunct="1">
+      <a:defRPr sz="1200" kern="1200">
+        <a:solidFill>
+          <a:schemeClr val="tx1"/>
+        </a:solidFill>
+        <a:latin typeface="+mn-lt"/>
+        <a:ea typeface="+mn-ea"/>
+        <a:cs typeface="+mn-cs"/>
+      </a:defRPr>
+    </a:lvl6pPr>
+    <a:lvl7pPr marL="2743200" algn="l" defTabSz="457200" rtl="0" eaLnBrk="1" latinLnBrk="0" hangingPunct="1">
+      <a:defRPr sz="1200" kern="1200">
+        <a:solidFill>
+          <a:schemeClr val="tx1"/>
+        </a:solidFill>
+        <a:latin typeface="+mn-lt"/>
+        <a:ea typeface="+mn-ea"/>
+        <a:cs typeface="+mn-cs"/>
+      </a:defRPr>
+    </a:lvl7pPr>
+    <a:lvl8pPr marL="3200400" algn="l" defTabSz="457200" rtl="0" eaLnBrk="1" latinLnBrk="0" hangingPunct="1">
+      <a:defRPr sz="1200" kern="1200">
+        <a:solidFill>
+          <a:schemeClr val="tx1"/>
+        </a:solidFill>
+        <a:latin typeface="+mn-lt"/>
+        <a:ea typeface="+mn-ea"/>
+        <a:cs typeface="+mn-cs"/>
+      </a:defRPr>
+    </a:lvl8pPr>
+    <a:lvl9pPr marL="3657600" algn="l" defTabSz="457200" rtl="0" eaLnBrk="1" latinLnBrk="0" hangingPunct="1">
+      <a:defRPr sz="1200" kern="1200">
+        <a:solidFill>
+          <a:schemeClr val="tx1"/>
+        </a:solidFill>
+        <a:latin typeface="+mn-lt"/>
+        <a:ea typeface="+mn-ea"/>
+        <a:cs typeface="+mn-cs"/>
+      </a:defRPr>
+    </a:lvl9pPr>
+  </p:notesStyle>
+</p:notesMaster>
+</file>
+
+<file path=ppt/notesSlides/notesSlide1.xml><?xml version="1.0" encoding="utf-8"?>
+<p:notes xmlns:a="http://schemas.openxmlformats.org/drawingml/2006/main" xmlns:r="http://schemas.openxmlformats.org/officeDocument/2006/relationships" xmlns:p="http://schemas.openxmlformats.org/presentationml/2006/main">
+  <p:cSld>
+    <p:spTree>
+      <p:nvGrpSpPr>
+        <p:cNvPr id="1" name=""/>
+        <p:cNvGrpSpPr/>
+        <p:nvPr/>
+      </p:nvGrpSpPr>
+      <p:grpSpPr>
+        <a:xfrm>
+          <a:off x="0" y="0"/>
+          <a:ext cx="0" cy="0"/>
+          <a:chOff x="0" y="0"/>
+          <a:chExt cx="0" cy="0"/>
+        </a:xfrm>
+      </p:grpSpPr>
+      <p:sp>
+        <p:nvSpPr>
+          <p:cNvPr id="2" name="Slide Image Placeholder 1"/>
+          <p:cNvSpPr>
+            <a:spLocks noGrp="1" noRot="1" noChangeAspect="1"/>
+          </p:cNvSpPr>
+          <p:nvPr>
+            <p:ph type="sldImg"/>
+          </p:nvPr>
+        </p:nvSpPr>
+        <p:spPr/>
+      </p:sp>
+      <p:sp>
+        <p:nvSpPr>
+          <p:cNvPr id="3" name="Notes Placeholder 2"/>
+          <p:cNvSpPr>
+            <a:spLocks noGrp="1"/>
+          </p:cNvSpPr>
+          <p:nvPr>
+            <p:ph type="body" idx="1"/>
+          </p:nvPr>
+        </p:nvSpPr>
+        <p:spPr/>
+        <p:txBody>
+          <a:bodyPr/>
+          <a:lstStyle/>
+          <a:p>
+            <a:endParaRPr lang="en-US" dirty="0"/>
+          </a:p>
+        </p:txBody>
+      </p:sp>
+      <p:sp>
+        <p:nvSpPr>
+          <p:cNvPr id="4" name="Slide Number Placeholder 3"/>
+          <p:cNvSpPr>
+            <a:spLocks noGrp="1"/>
+          </p:cNvSpPr>
+          <p:nvPr>
+            <p:ph type="sldNum" sz="quarter" idx="10"/>
+          </p:nvPr>
+        </p:nvSpPr>
+        <p:spPr/>
+        <p:txBody>
+          <a:bodyPr/>
+          <a:lstStyle/>
+          <a:p>
+            <a:fld id="{CCF3DFB5-95E8-8C40-B1B6-D97D156CF8D6}" type="slidenum">
+              <a:rPr lang="en-US" smtClean="0"/>
+              <a:t>1</a:t>
+            </a:fld>
+            <a:endParaRPr lang="en-US"/>
+          </a:p>
+        </p:txBody>
+      </p:sp>
+    </p:spTree>
+    <p:extLst>
+      <p:ext uri="{BB962C8B-B14F-4D97-AF65-F5344CB8AC3E}">
+        <p14:creationId xmlns:p14="http://schemas.microsoft.com/office/powerpoint/2010/main" val="358837783"/>
+      </p:ext>
+    </p:extLst>
+  </p:cSld>
+  <p:clrMapOvr>
+    <a:masterClrMapping/>
+  </p:clrMapOvr>
+</p:notes>
 </file>
 
 <file path=ppt/slideLayouts/slideLayout1.xml><?xml version="1.0" encoding="utf-8"?>
@@ -4078,7 +4515,7 @@
         <p:spPr>
           <a:xfrm>
             <a:off x="1984852" y="3412092"/>
-            <a:ext cx="1125776" cy="369332"/>
+            <a:ext cx="1029281" cy="369332"/>
           </a:xfrm>
           <a:prstGeom prst="rect">
             <a:avLst/>
@@ -4104,10 +4541,7 @@
       <p:cxnSp>
         <p:nvCxnSpPr>
           <p:cNvPr id="236" name="Straight Connector 235"/>
-          <p:cNvCxnSpPr>
-            <a:stCxn id="267" idx="2"/>
-            <a:endCxn id="276" idx="0"/>
-          </p:cNvCxnSpPr>
+          <p:cNvCxnSpPr/>
           <p:nvPr/>
         </p:nvCxnSpPr>
         <p:spPr>
@@ -4120,7 +4554,7 @@
           </a:prstGeom>
           <a:ln w="38100" cmpd="sng">
             <a:solidFill>
-              <a:srgbClr val="FF6600"/>
+              <a:schemeClr val="tx2"/>
             </a:solidFill>
           </a:ln>
         </p:spPr>
@@ -4158,7 +4592,7 @@
           </a:prstGeom>
           <a:ln w="38100" cmpd="sng">
             <a:solidFill>
-              <a:srgbClr val="0000FF"/>
+              <a:schemeClr val="tx2"/>
             </a:solidFill>
           </a:ln>
         </p:spPr>
@@ -4596,8 +5030,9 @@
           </a:prstGeom>
           <a:ln w="38100" cmpd="sng">
             <a:solidFill>
-              <a:srgbClr val="800000"/>
+              <a:schemeClr val="tx2"/>
             </a:solidFill>
+            <a:prstDash val="lgDash"/>
           </a:ln>
         </p:spPr>
         <p:style>
@@ -4634,7 +5069,7 @@
           </a:prstGeom>
           <a:ln w="38100" cmpd="sng">
             <a:solidFill>
-              <a:srgbClr val="0000FF"/>
+              <a:schemeClr val="tx2"/>
             </a:solidFill>
           </a:ln>
         </p:spPr>
@@ -4672,7 +5107,7 @@
           </a:prstGeom>
           <a:ln w="38100" cmpd="sng">
             <a:solidFill>
-              <a:srgbClr val="FF6600"/>
+              <a:schemeClr val="tx2"/>
             </a:solidFill>
           </a:ln>
         </p:spPr>
@@ -5158,7 +5593,11 @@
           <a:prstGeom prst="line">
             <a:avLst/>
           </a:prstGeom>
-          <a:ln w="12700" cmpd="sng"/>
+          <a:ln w="12700" cmpd="sng">
+            <a:solidFill>
+              <a:schemeClr val="tx2"/>
+            </a:solidFill>
+          </a:ln>
         </p:spPr>
         <p:style>
           <a:lnRef idx="2">
@@ -5226,8 +5665,9 @@
           </a:prstGeom>
           <a:ln w="38100" cmpd="sng">
             <a:solidFill>
-              <a:srgbClr val="800000"/>
+              <a:schemeClr val="tx2"/>
             </a:solidFill>
+            <a:prstDash val="lgDash"/>
           </a:ln>
         </p:spPr>
         <p:style>
@@ -5259,20 +5699,11 @@
           <a:prstGeom prst="star7">
             <a:avLst/>
           </a:prstGeom>
-          <a:gradFill flip="none" rotWithShape="1">
-            <a:gsLst>
-              <a:gs pos="0">
-                <a:schemeClr val="bg1">
-                  <a:lumMod val="50000"/>
-                </a:schemeClr>
-              </a:gs>
-              <a:gs pos="100000">
-                <a:srgbClr val="FFFFFF"/>
-              </a:gs>
-            </a:gsLst>
-            <a:lin ang="0" scaled="1"/>
-            <a:tileRect/>
-          </a:gradFill>
+          <a:solidFill>
+            <a:schemeClr val="tx2">
+              <a:lumMod val="50000"/>
+            </a:schemeClr>
+          </a:solidFill>
           <a:ln>
             <a:solidFill>
               <a:schemeClr val="tx2"/>
@@ -5319,20 +5750,11 @@
           <a:prstGeom prst="ellipse">
             <a:avLst/>
           </a:prstGeom>
-          <a:gradFill flip="none" rotWithShape="1">
-            <a:gsLst>
-              <a:gs pos="0">
-                <a:schemeClr val="bg1">
-                  <a:lumMod val="50000"/>
-                </a:schemeClr>
-              </a:gs>
-              <a:gs pos="100000">
-                <a:srgbClr val="FFFFFF"/>
-              </a:gs>
-            </a:gsLst>
-            <a:lin ang="0" scaled="1"/>
-            <a:tileRect/>
-          </a:gradFill>
+          <a:solidFill>
+            <a:schemeClr val="tx2">
+              <a:lumMod val="50000"/>
+            </a:schemeClr>
+          </a:solidFill>
           <a:ln>
             <a:solidFill>
               <a:schemeClr val="tx2"/>
@@ -5384,20 +5806,11 @@
           <a:prstGeom prst="triangle">
             <a:avLst/>
           </a:prstGeom>
-          <a:gradFill flip="none" rotWithShape="1">
-            <a:gsLst>
-              <a:gs pos="0">
-                <a:schemeClr val="bg1">
-                  <a:lumMod val="50000"/>
-                </a:schemeClr>
-              </a:gs>
-              <a:gs pos="100000">
-                <a:srgbClr val="FFFFFF"/>
-              </a:gs>
-            </a:gsLst>
-            <a:lin ang="0" scaled="1"/>
-            <a:tileRect/>
-          </a:gradFill>
+          <a:solidFill>
+            <a:schemeClr val="tx2">
+              <a:lumMod val="50000"/>
+            </a:schemeClr>
+          </a:solidFill>
           <a:ln>
             <a:solidFill>
               <a:schemeClr val="tx2"/>
@@ -5484,7 +5897,7 @@
         </p:nvSpPr>
         <p:spPr>
           <a:xfrm>
-            <a:off x="1299038" y="4162048"/>
+            <a:off x="1172033" y="4170515"/>
             <a:ext cx="1234688" cy="229615"/>
           </a:xfrm>
           <a:prstGeom prst="roundRect">
@@ -5514,6 +5927,13 @@
           <a:lstStyle/>
           <a:p>
             <a:pPr algn="ctr"/>
+            <a:r>
+              <a:rPr lang="en-US" altLang="ko-KR" sz="900" dirty="0" smtClean="0">
+                <a:latin typeface="Verdana"/>
+                <a:cs typeface="Verdana"/>
+              </a:rPr>
+              <a:t>3-</a:t>
+            </a:r>
             <a:r>
               <a:rPr lang="en-US" sz="900" dirty="0" smtClean="0">
                 <a:latin typeface="Verdana"/>
@@ -5915,10 +6335,10 @@
         </p:nvGrpSpPr>
         <p:grpSpPr>
           <a:xfrm>
-            <a:off x="1047345" y="4651825"/>
-            <a:ext cx="1722315" cy="228071"/>
-            <a:chOff x="5567484" y="5396837"/>
-            <a:chExt cx="1722315" cy="228071"/>
+            <a:off x="1047345" y="4660292"/>
+            <a:ext cx="1586843" cy="219604"/>
+            <a:chOff x="5567484" y="5405304"/>
+            <a:chExt cx="1586843" cy="219604"/>
           </a:xfrm>
         </p:grpSpPr>
         <p:sp>
@@ -5970,7 +6390,7 @@
           </p:nvSpPr>
           <p:spPr>
             <a:xfrm>
-              <a:off x="5752380" y="5396837"/>
+              <a:off x="5616908" y="5405304"/>
               <a:ext cx="1537419" cy="207455"/>
             </a:xfrm>
             <a:prstGeom prst="roundRect">
@@ -6001,78 +6421,23 @@
             <a:p>
               <a:pPr algn="ctr"/>
               <a:r>
-                <a:rPr lang="en-US" sz="900" dirty="0">
+                <a:rPr lang="en-US" altLang="ko-KR" sz="900" dirty="0" smtClean="0">
                   <a:latin typeface="Verdana"/>
                   <a:cs typeface="Verdana"/>
                 </a:rPr>
-                <a:t>c</a:t>
+                <a:t>4-</a:t>
               </a:r>
               <a:r>
                 <a:rPr lang="en-US" sz="900" dirty="0" smtClean="0">
                   <a:latin typeface="Verdana"/>
                   <a:cs typeface="Verdana"/>
                 </a:rPr>
-                <a:t>lassifying entailment</a:t>
+                <a:t>classifying entailment</a:t>
               </a:r>
             </a:p>
           </p:txBody>
         </p:sp>
       </p:grpSp>
-      <p:sp>
-        <p:nvSpPr>
-          <p:cNvPr id="294" name="Rounded Rectangle 293"/>
-          <p:cNvSpPr/>
-          <p:nvPr/>
-        </p:nvSpPr>
-        <p:spPr>
-          <a:xfrm>
-            <a:off x="1253796" y="972053"/>
-            <a:ext cx="1704267" cy="213824"/>
-          </a:xfrm>
-          <a:prstGeom prst="roundRect">
-            <a:avLst/>
-          </a:prstGeom>
-          <a:noFill/>
-          <a:ln>
-            <a:noFill/>
-          </a:ln>
-        </p:spPr>
-        <p:style>
-          <a:lnRef idx="1">
-            <a:schemeClr val="accent5"/>
-          </a:lnRef>
-          <a:fillRef idx="2">
-            <a:schemeClr val="accent5"/>
-          </a:fillRef>
-          <a:effectRef idx="1">
-            <a:schemeClr val="accent5"/>
-          </a:effectRef>
-          <a:fontRef idx="minor">
-            <a:schemeClr val="dk1"/>
-          </a:fontRef>
-        </p:style>
-        <p:txBody>
-          <a:bodyPr lIns="0" tIns="0" rIns="0" bIns="0" rtlCol="0" anchor="ctr"/>
-          <a:lstStyle/>
-          <a:p>
-            <a:pPr algn="ctr"/>
-            <a:r>
-              <a:rPr lang="en-US" sz="900" dirty="0">
-                <a:latin typeface="Verdana"/>
-                <a:cs typeface="Verdana"/>
-              </a:rPr>
-              <a:t>p</a:t>
-            </a:r>
-            <a:r>
-              <a:rPr lang="en-US" sz="900" dirty="0" smtClean="0">
-                <a:latin typeface="Verdana"/>
-                <a:cs typeface="Verdana"/>
-              </a:rPr>
-              <a:t>re-processing pipeline</a:t>
-            </a:r>
-          </a:p>
-        </p:txBody>
-      </p:sp>
       <p:sp>
         <p:nvSpPr>
           <p:cNvPr id="295" name="Down Arrow 294"/>
@@ -6245,7 +6610,6 @@
             </a:bodyPr>
             <a:lstStyle/>
             <a:p>
-              <a:pPr algn="ctr"/>
               <a:r>
                 <a:rPr lang="en-US" sz="800" dirty="0" smtClean="0">
                   <a:latin typeface="Verdana"/>
@@ -6297,7 +6661,7 @@
             </a:fontRef>
           </p:style>
           <p:txBody>
-            <a:bodyPr rot="0" spcFirstLastPara="0" vertOverflow="overflow" horzOverflow="overflow" vert="horz" wrap="square" lIns="91440" tIns="45720" rIns="91440" bIns="45720" numCol="1" spcCol="0" rtlCol="0" fromWordArt="0" anchor="ctr" anchorCtr="0" forceAA="0" compatLnSpc="1">
+            <a:bodyPr rot="0" spcFirstLastPara="0" vertOverflow="overflow" horzOverflow="overflow" vert="horz" wrap="square" lIns="36000" tIns="0" rIns="36000" bIns="0" numCol="1" spcCol="0" rtlCol="0" fromWordArt="0" anchor="ctr" anchorCtr="0" forceAA="0" compatLnSpc="1">
               <a:prstTxWarp prst="textNoShape">
                 <a:avLst/>
               </a:prstTxWarp>
@@ -6305,7 +6669,6 @@
             </a:bodyPr>
             <a:lstStyle/>
             <a:p>
-              <a:pPr algn="ctr"/>
               <a:r>
                 <a:rPr lang="en-US" sz="800" dirty="0" smtClean="0">
                   <a:latin typeface="Verdana"/>
@@ -6357,7 +6720,7 @@
             </a:fontRef>
           </p:style>
           <p:txBody>
-            <a:bodyPr rot="0" spcFirstLastPara="0" vertOverflow="overflow" horzOverflow="overflow" vert="horz" wrap="square" lIns="91440" tIns="45720" rIns="91440" bIns="45720" numCol="1" spcCol="0" rtlCol="0" fromWordArt="0" anchor="ctr" anchorCtr="0" forceAA="0" compatLnSpc="1">
+            <a:bodyPr rot="0" spcFirstLastPara="0" vertOverflow="overflow" horzOverflow="overflow" vert="horz" wrap="square" lIns="36000" tIns="0" rIns="36000" bIns="0" numCol="1" spcCol="0" rtlCol="0" fromWordArt="0" anchor="ctr" anchorCtr="0" forceAA="0" compatLnSpc="1">
               <a:prstTxWarp prst="textNoShape">
                 <a:avLst/>
               </a:prstTxWarp>
@@ -6365,7 +6728,6 @@
             </a:bodyPr>
             <a:lstStyle/>
             <a:p>
-              <a:pPr algn="ctr"/>
               <a:r>
                 <a:rPr lang="en-US" sz="800" dirty="0" smtClean="0">
                   <a:latin typeface="Verdana"/>
@@ -6404,8 +6766,19 @@
                 <a:latin typeface="Verdana"/>
                 <a:cs typeface="Verdana"/>
               </a:rPr>
-              <a:t>multi-level alignment</a:t>
+              <a:t>multi-level </a:t>
             </a:r>
+            <a:r>
+              <a:rPr lang="en-US" sz="1000" dirty="0" smtClean="0">
+                <a:latin typeface="Verdana"/>
+                <a:cs typeface="Verdana"/>
+              </a:rPr>
+              <a:t>alignment</a:t>
+            </a:r>
+            <a:endParaRPr lang="en-US" sz="1000" dirty="0" smtClean="0">
+              <a:latin typeface="Verdana"/>
+              <a:cs typeface="Verdana"/>
+            </a:endParaRPr>
           </a:p>
         </p:txBody>
       </p:sp>
@@ -6451,10 +6824,6 @@
               </a:rPr>
               <a:t>knowledge resource</a:t>
             </a:r>
-            <a:endParaRPr lang="en-US" sz="800" dirty="0" smtClean="0">
-              <a:latin typeface="Verdana"/>
-              <a:cs typeface="Verdana"/>
-            </a:endParaRPr>
           </a:p>
         </p:txBody>
       </p:sp>
@@ -6466,7 +6835,7 @@
         </p:nvSpPr>
         <p:spPr>
           <a:xfrm>
-            <a:off x="1336021" y="2618000"/>
+            <a:off x="1192082" y="2618000"/>
             <a:ext cx="1201537" cy="213824"/>
           </a:xfrm>
           <a:prstGeom prst="roundRect">
@@ -6497,16 +6866,19 @@
           <a:p>
             <a:pPr algn="ctr"/>
             <a:r>
+              <a:rPr lang="en-US" altLang="ko-KR" sz="900" dirty="0" smtClean="0">
+                <a:latin typeface="Verdana"/>
+                <a:cs typeface="Verdana"/>
+              </a:rPr>
+              <a:t>2-</a:t>
+            </a:r>
+            <a:r>
               <a:rPr lang="en-US" sz="900" dirty="0" smtClean="0">
                 <a:latin typeface="Verdana"/>
                 <a:cs typeface="Verdana"/>
               </a:rPr>
               <a:t>adding alignments</a:t>
             </a:r>
-            <a:endParaRPr lang="en-US" sz="900" dirty="0" smtClean="0">
-              <a:latin typeface="Verdana"/>
-              <a:cs typeface="Verdana"/>
-            </a:endParaRPr>
           </a:p>
         </p:txBody>
       </p:sp>
@@ -6609,6 +6981,230 @@
           </a:fontRef>
         </p:style>
       </p:cxnSp>
+      <p:sp>
+        <p:nvSpPr>
+          <p:cNvPr id="84" name="Rounded Rectangle 83"/>
+          <p:cNvSpPr/>
+          <p:nvPr/>
+        </p:nvSpPr>
+        <p:spPr>
+          <a:xfrm>
+            <a:off x="1101390" y="988987"/>
+            <a:ext cx="1704267" cy="213824"/>
+          </a:xfrm>
+          <a:prstGeom prst="roundRect">
+            <a:avLst/>
+          </a:prstGeom>
+          <a:noFill/>
+          <a:ln>
+            <a:noFill/>
+          </a:ln>
+        </p:spPr>
+        <p:style>
+          <a:lnRef idx="1">
+            <a:schemeClr val="accent5"/>
+          </a:lnRef>
+          <a:fillRef idx="2">
+            <a:schemeClr val="accent5"/>
+          </a:fillRef>
+          <a:effectRef idx="1">
+            <a:schemeClr val="accent5"/>
+          </a:effectRef>
+          <a:fontRef idx="minor">
+            <a:schemeClr val="dk1"/>
+          </a:fontRef>
+        </p:style>
+        <p:txBody>
+          <a:bodyPr lIns="0" tIns="0" rIns="0" bIns="0" rtlCol="0" anchor="ctr"/>
+          <a:lstStyle/>
+          <a:p>
+            <a:pPr algn="ctr"/>
+            <a:r>
+              <a:rPr lang="en-US" altLang="ko-KR" sz="900" dirty="0" smtClean="0">
+                <a:latin typeface="Verdana"/>
+                <a:cs typeface="Verdana"/>
+              </a:rPr>
+              <a:t>1-</a:t>
+            </a:r>
+            <a:r>
+              <a:rPr lang="en-US" sz="900" dirty="0" smtClean="0">
+                <a:latin typeface="Verdana"/>
+                <a:cs typeface="Verdana"/>
+              </a:rPr>
+              <a:t>pre-processing pipeline</a:t>
+            </a:r>
+          </a:p>
+        </p:txBody>
+      </p:sp>
+      <p:sp>
+        <p:nvSpPr>
+          <p:cNvPr id="85" name="Oval 84"/>
+          <p:cNvSpPr>
+            <a:spLocks noChangeAspect="1"/>
+          </p:cNvSpPr>
+          <p:nvPr/>
+        </p:nvSpPr>
+        <p:spPr>
+          <a:xfrm>
+            <a:off x="1350904" y="2208314"/>
+            <a:ext cx="94665" cy="108000"/>
+          </a:xfrm>
+          <a:prstGeom prst="ellipse">
+            <a:avLst/>
+          </a:prstGeom>
+          <a:solidFill>
+            <a:schemeClr val="tx2">
+              <a:lumMod val="50000"/>
+            </a:schemeClr>
+          </a:solidFill>
+          <a:ln>
+            <a:solidFill>
+              <a:schemeClr val="tx2"/>
+            </a:solidFill>
+          </a:ln>
+        </p:spPr>
+        <p:style>
+          <a:lnRef idx="1">
+            <a:schemeClr val="accent5"/>
+          </a:lnRef>
+          <a:fillRef idx="2">
+            <a:schemeClr val="accent5"/>
+          </a:fillRef>
+          <a:effectRef idx="1">
+            <a:schemeClr val="accent5"/>
+          </a:effectRef>
+          <a:fontRef idx="minor">
+            <a:schemeClr val="dk1"/>
+          </a:fontRef>
+        </p:style>
+        <p:txBody>
+          <a:bodyPr rot="0" spcFirstLastPara="0" vertOverflow="overflow" horzOverflow="overflow" vert="horz" wrap="square" lIns="91440" tIns="45720" rIns="91440" bIns="45720" numCol="1" spcCol="0" rtlCol="0" fromWordArt="0" anchor="ctr" anchorCtr="0" forceAA="0" compatLnSpc="1">
+            <a:prstTxWarp prst="textNoShape">
+              <a:avLst/>
+            </a:prstTxWarp>
+            <a:noAutofit/>
+          </a:bodyPr>
+          <a:lstStyle/>
+          <a:p>
+            <a:pPr algn="ctr"/>
+            <a:endParaRPr lang="en-US" sz="1200" dirty="0" smtClean="0">
+              <a:latin typeface="Verdana"/>
+              <a:cs typeface="Verdana"/>
+            </a:endParaRPr>
+          </a:p>
+        </p:txBody>
+      </p:sp>
+      <p:sp>
+        <p:nvSpPr>
+          <p:cNvPr id="87" name="Isosceles Triangle 86"/>
+          <p:cNvSpPr>
+            <a:spLocks/>
+          </p:cNvSpPr>
+          <p:nvPr/>
+        </p:nvSpPr>
+        <p:spPr>
+          <a:xfrm>
+            <a:off x="1346302" y="2338972"/>
+            <a:ext cx="108000" cy="108000"/>
+          </a:xfrm>
+          <a:prstGeom prst="triangle">
+            <a:avLst/>
+          </a:prstGeom>
+          <a:solidFill>
+            <a:schemeClr val="tx2">
+              <a:lumMod val="50000"/>
+            </a:schemeClr>
+          </a:solidFill>
+          <a:ln>
+            <a:solidFill>
+              <a:schemeClr val="tx2"/>
+            </a:solidFill>
+          </a:ln>
+        </p:spPr>
+        <p:style>
+          <a:lnRef idx="1">
+            <a:schemeClr val="accent5"/>
+          </a:lnRef>
+          <a:fillRef idx="2">
+            <a:schemeClr val="accent5"/>
+          </a:fillRef>
+          <a:effectRef idx="1">
+            <a:schemeClr val="accent5"/>
+          </a:effectRef>
+          <a:fontRef idx="minor">
+            <a:schemeClr val="dk1"/>
+          </a:fontRef>
+        </p:style>
+        <p:txBody>
+          <a:bodyPr rot="0" spcFirstLastPara="0" vertOverflow="overflow" horzOverflow="overflow" vert="horz" wrap="square" lIns="91440" tIns="45720" rIns="91440" bIns="45720" numCol="1" spcCol="0" rtlCol="0" fromWordArt="0" anchor="ctr" anchorCtr="0" forceAA="0" compatLnSpc="1">
+            <a:prstTxWarp prst="textNoShape">
+              <a:avLst/>
+            </a:prstTxWarp>
+            <a:noAutofit/>
+          </a:bodyPr>
+          <a:lstStyle/>
+          <a:p>
+            <a:pPr algn="ctr"/>
+            <a:endParaRPr lang="en-US" sz="1200" dirty="0" smtClean="0">
+              <a:latin typeface="Verdana"/>
+              <a:cs typeface="Verdana"/>
+            </a:endParaRPr>
+          </a:p>
+        </p:txBody>
+      </p:sp>
+      <p:sp>
+        <p:nvSpPr>
+          <p:cNvPr id="88" name="7-Point Star 87"/>
+          <p:cNvSpPr>
+            <a:spLocks noChangeAspect="1"/>
+          </p:cNvSpPr>
+          <p:nvPr/>
+        </p:nvSpPr>
+        <p:spPr>
+          <a:xfrm>
+            <a:off x="1341160" y="2490437"/>
+            <a:ext cx="119502" cy="108000"/>
+          </a:xfrm>
+          <a:prstGeom prst="star7">
+            <a:avLst/>
+          </a:prstGeom>
+          <a:solidFill>
+            <a:schemeClr val="tx2">
+              <a:lumMod val="50000"/>
+            </a:schemeClr>
+          </a:solidFill>
+          <a:ln>
+            <a:solidFill>
+              <a:schemeClr val="tx2"/>
+            </a:solidFill>
+          </a:ln>
+        </p:spPr>
+        <p:style>
+          <a:lnRef idx="1">
+            <a:schemeClr val="accent5"/>
+          </a:lnRef>
+          <a:fillRef idx="2">
+            <a:schemeClr val="accent5"/>
+          </a:fillRef>
+          <a:effectRef idx="1">
+            <a:schemeClr val="accent5"/>
+          </a:effectRef>
+          <a:fontRef idx="minor">
+            <a:schemeClr val="dk1"/>
+          </a:fontRef>
+        </p:style>
+        <p:txBody>
+          <a:bodyPr rtlCol="0" anchor="ctr"/>
+          <a:lstStyle/>
+          <a:p>
+            <a:pPr algn="ctr"/>
+            <a:endParaRPr lang="en-US" sz="1200" dirty="0" smtClean="0">
+              <a:latin typeface="Verdana"/>
+              <a:cs typeface="Verdana"/>
+            </a:endParaRPr>
+          </a:p>
+        </p:txBody>
+      </p:sp>
     </p:spTree>
     <p:extLst>
       <p:ext uri="{BB962C8B-B14F-4D97-AF65-F5344CB8AC3E}">
@@ -10641,4 +11237,324 @@
   </a:objectDefaults>
   <a:extraClrSchemeLst/>
 </a:theme>
+</file>
+
+<file path=ppt/theme/theme2.xml><?xml version="1.0" encoding="utf-8"?>
+<a:theme xmlns:a="http://schemas.openxmlformats.org/drawingml/2006/main" name="Office Theme">
+  <a:themeElements>
+    <a:clrScheme name="Office">
+      <a:dk1>
+        <a:sysClr val="windowText" lastClr="000000"/>
+      </a:dk1>
+      <a:lt1>
+        <a:sysClr val="window" lastClr="FFFFFF"/>
+      </a:lt1>
+      <a:dk2>
+        <a:srgbClr val="1F497D"/>
+      </a:dk2>
+      <a:lt2>
+        <a:srgbClr val="EEECE1"/>
+      </a:lt2>
+      <a:accent1>
+        <a:srgbClr val="4F81BD"/>
+      </a:accent1>
+      <a:accent2>
+        <a:srgbClr val="C0504D"/>
+      </a:accent2>
+      <a:accent3>
+        <a:srgbClr val="9BBB59"/>
+      </a:accent3>
+      <a:accent4>
+        <a:srgbClr val="8064A2"/>
+      </a:accent4>
+      <a:accent5>
+        <a:srgbClr val="4BACC6"/>
+      </a:accent5>
+      <a:accent6>
+        <a:srgbClr val="F79646"/>
+      </a:accent6>
+      <a:hlink>
+        <a:srgbClr val="0000FF"/>
+      </a:hlink>
+      <a:folHlink>
+        <a:srgbClr val="800080"/>
+      </a:folHlink>
+    </a:clrScheme>
+    <a:fontScheme name="Office">
+      <a:majorFont>
+        <a:latin typeface="Calibri"/>
+        <a:ea typeface=""/>
+        <a:cs typeface=""/>
+        <a:font script="Jpan" typeface="ＭＳ Ｐゴシック"/>
+        <a:font script="Hang" typeface="맑은 고딕"/>
+        <a:font script="Hans" typeface="宋体"/>
+        <a:font script="Hant" typeface="新細明體"/>
+        <a:font script="Arab" typeface="Times New Roman"/>
+        <a:font script="Hebr" typeface="Times New Roman"/>
+        <a:font script="Thai" typeface="Angsana New"/>
+        <a:font script="Ethi" typeface="Nyala"/>
+        <a:font script="Beng" typeface="Vrinda"/>
+        <a:font script="Gujr" typeface="Shruti"/>
+        <a:font script="Khmr" typeface="MoolBoran"/>
+        <a:font script="Knda" typeface="Tunga"/>
+        <a:font script="Guru" typeface="Raavi"/>
+        <a:font script="Cans" typeface="Euphemia"/>
+        <a:font script="Cher" typeface="Plantagenet Cherokee"/>
+        <a:font script="Yiii" typeface="Microsoft Yi Baiti"/>
+        <a:font script="Tibt" typeface="Microsoft Himalaya"/>
+        <a:font script="Thaa" typeface="MV Boli"/>
+        <a:font script="Deva" typeface="Mangal"/>
+        <a:font script="Telu" typeface="Gautami"/>
+        <a:font script="Taml" typeface="Latha"/>
+        <a:font script="Syrc" typeface="Estrangelo Edessa"/>
+        <a:font script="Orya" typeface="Kalinga"/>
+        <a:font script="Mlym" typeface="Kartika"/>
+        <a:font script="Laoo" typeface="DokChampa"/>
+        <a:font script="Sinh" typeface="Iskoola Pota"/>
+        <a:font script="Mong" typeface="Mongolian Baiti"/>
+        <a:font script="Viet" typeface="Times New Roman"/>
+        <a:font script="Uigh" typeface="Microsoft Uighur"/>
+        <a:font script="Geor" typeface="Sylfaen"/>
+      </a:majorFont>
+      <a:minorFont>
+        <a:latin typeface="Calibri"/>
+        <a:ea typeface=""/>
+        <a:cs typeface=""/>
+        <a:font script="Jpan" typeface="ＭＳ Ｐゴシック"/>
+        <a:font script="Hang" typeface="맑은 고딕"/>
+        <a:font script="Hans" typeface="宋体"/>
+        <a:font script="Hant" typeface="新細明體"/>
+        <a:font script="Arab" typeface="Arial"/>
+        <a:font script="Hebr" typeface="Arial"/>
+        <a:font script="Thai" typeface="Cordia New"/>
+        <a:font script="Ethi" typeface="Nyala"/>
+        <a:font script="Beng" typeface="Vrinda"/>
+        <a:font script="Gujr" typeface="Shruti"/>
+        <a:font script="Khmr" typeface="DaunPenh"/>
+        <a:font script="Knda" typeface="Tunga"/>
+        <a:font script="Guru" typeface="Raavi"/>
+        <a:font script="Cans" typeface="Euphemia"/>
+        <a:font script="Cher" typeface="Plantagenet Cherokee"/>
+        <a:font script="Yiii" typeface="Microsoft Yi Baiti"/>
+        <a:font script="Tibt" typeface="Microsoft Himalaya"/>
+        <a:font script="Thaa" typeface="MV Boli"/>
+        <a:font script="Deva" typeface="Mangal"/>
+        <a:font script="Telu" typeface="Gautami"/>
+        <a:font script="Taml" typeface="Latha"/>
+        <a:font script="Syrc" typeface="Estrangelo Edessa"/>
+        <a:font script="Orya" typeface="Kalinga"/>
+        <a:font script="Mlym" typeface="Kartika"/>
+        <a:font script="Laoo" typeface="DokChampa"/>
+        <a:font script="Sinh" typeface="Iskoola Pota"/>
+        <a:font script="Mong" typeface="Mongolian Baiti"/>
+        <a:font script="Viet" typeface="Arial"/>
+        <a:font script="Uigh" typeface="Microsoft Uighur"/>
+        <a:font script="Geor" typeface="Sylfaen"/>
+      </a:minorFont>
+    </a:fontScheme>
+    <a:fmtScheme name="Office">
+      <a:fillStyleLst>
+        <a:solidFill>
+          <a:schemeClr val="phClr"/>
+        </a:solidFill>
+        <a:gradFill rotWithShape="1">
+          <a:gsLst>
+            <a:gs pos="0">
+              <a:schemeClr val="phClr">
+                <a:tint val="50000"/>
+                <a:satMod val="300000"/>
+              </a:schemeClr>
+            </a:gs>
+            <a:gs pos="35000">
+              <a:schemeClr val="phClr">
+                <a:tint val="37000"/>
+                <a:satMod val="300000"/>
+              </a:schemeClr>
+            </a:gs>
+            <a:gs pos="100000">
+              <a:schemeClr val="phClr">
+                <a:tint val="15000"/>
+                <a:satMod val="350000"/>
+              </a:schemeClr>
+            </a:gs>
+          </a:gsLst>
+          <a:lin ang="16200000" scaled="1"/>
+        </a:gradFill>
+        <a:gradFill rotWithShape="1">
+          <a:gsLst>
+            <a:gs pos="0">
+              <a:schemeClr val="phClr">
+                <a:tint val="100000"/>
+                <a:shade val="100000"/>
+                <a:satMod val="130000"/>
+              </a:schemeClr>
+            </a:gs>
+            <a:gs pos="100000">
+              <a:schemeClr val="phClr">
+                <a:tint val="50000"/>
+                <a:shade val="100000"/>
+                <a:satMod val="350000"/>
+              </a:schemeClr>
+            </a:gs>
+          </a:gsLst>
+          <a:lin ang="16200000" scaled="0"/>
+        </a:gradFill>
+      </a:fillStyleLst>
+      <a:lnStyleLst>
+        <a:ln w="9525" cap="flat" cmpd="sng" algn="ctr">
+          <a:solidFill>
+            <a:schemeClr val="phClr">
+              <a:shade val="95000"/>
+              <a:satMod val="105000"/>
+            </a:schemeClr>
+          </a:solidFill>
+          <a:prstDash val="solid"/>
+        </a:ln>
+        <a:ln w="25400" cap="flat" cmpd="sng" algn="ctr">
+          <a:solidFill>
+            <a:schemeClr val="phClr"/>
+          </a:solidFill>
+          <a:prstDash val="solid"/>
+        </a:ln>
+        <a:ln w="38100" cap="flat" cmpd="sng" algn="ctr">
+          <a:solidFill>
+            <a:schemeClr val="phClr"/>
+          </a:solidFill>
+          <a:prstDash val="solid"/>
+        </a:ln>
+      </a:lnStyleLst>
+      <a:effectStyleLst>
+        <a:effectStyle>
+          <a:effectLst>
+            <a:outerShdw blurRad="40000" dist="20000" dir="5400000" rotWithShape="0">
+              <a:srgbClr val="000000">
+                <a:alpha val="38000"/>
+              </a:srgbClr>
+            </a:outerShdw>
+          </a:effectLst>
+        </a:effectStyle>
+        <a:effectStyle>
+          <a:effectLst>
+            <a:outerShdw blurRad="40000" dist="23000" dir="5400000" rotWithShape="0">
+              <a:srgbClr val="000000">
+                <a:alpha val="35000"/>
+              </a:srgbClr>
+            </a:outerShdw>
+          </a:effectLst>
+        </a:effectStyle>
+        <a:effectStyle>
+          <a:effectLst>
+            <a:outerShdw blurRad="40000" dist="23000" dir="5400000" rotWithShape="0">
+              <a:srgbClr val="000000">
+                <a:alpha val="35000"/>
+              </a:srgbClr>
+            </a:outerShdw>
+          </a:effectLst>
+          <a:scene3d>
+            <a:camera prst="orthographicFront">
+              <a:rot lat="0" lon="0" rev="0"/>
+            </a:camera>
+            <a:lightRig rig="threePt" dir="t">
+              <a:rot lat="0" lon="0" rev="1200000"/>
+            </a:lightRig>
+          </a:scene3d>
+          <a:sp3d>
+            <a:bevelT w="63500" h="25400"/>
+          </a:sp3d>
+        </a:effectStyle>
+      </a:effectStyleLst>
+      <a:bgFillStyleLst>
+        <a:solidFill>
+          <a:schemeClr val="phClr"/>
+        </a:solidFill>
+        <a:gradFill rotWithShape="1">
+          <a:gsLst>
+            <a:gs pos="0">
+              <a:schemeClr val="phClr">
+                <a:tint val="40000"/>
+                <a:satMod val="350000"/>
+              </a:schemeClr>
+            </a:gs>
+            <a:gs pos="40000">
+              <a:schemeClr val="phClr">
+                <a:tint val="45000"/>
+                <a:shade val="99000"/>
+                <a:satMod val="350000"/>
+              </a:schemeClr>
+            </a:gs>
+            <a:gs pos="100000">
+              <a:schemeClr val="phClr">
+                <a:shade val="20000"/>
+                <a:satMod val="255000"/>
+              </a:schemeClr>
+            </a:gs>
+          </a:gsLst>
+          <a:path path="circle">
+            <a:fillToRect l="50000" t="-80000" r="50000" b="180000"/>
+          </a:path>
+        </a:gradFill>
+        <a:gradFill rotWithShape="1">
+          <a:gsLst>
+            <a:gs pos="0">
+              <a:schemeClr val="phClr">
+                <a:tint val="80000"/>
+                <a:satMod val="300000"/>
+              </a:schemeClr>
+            </a:gs>
+            <a:gs pos="100000">
+              <a:schemeClr val="phClr">
+                <a:shade val="30000"/>
+                <a:satMod val="200000"/>
+              </a:schemeClr>
+            </a:gs>
+          </a:gsLst>
+          <a:path path="circle">
+            <a:fillToRect l="50000" t="50000" r="50000" b="50000"/>
+          </a:path>
+        </a:gradFill>
+      </a:bgFillStyleLst>
+    </a:fmtScheme>
+  </a:themeElements>
+  <a:objectDefaults>
+    <a:spDef>
+      <a:spPr/>
+      <a:bodyPr/>
+      <a:lstStyle/>
+      <a:style>
+        <a:lnRef idx="1">
+          <a:schemeClr val="accent1"/>
+        </a:lnRef>
+        <a:fillRef idx="3">
+          <a:schemeClr val="accent1"/>
+        </a:fillRef>
+        <a:effectRef idx="2">
+          <a:schemeClr val="accent1"/>
+        </a:effectRef>
+        <a:fontRef idx="minor">
+          <a:schemeClr val="lt1"/>
+        </a:fontRef>
+      </a:style>
+    </a:spDef>
+    <a:lnDef>
+      <a:spPr/>
+      <a:bodyPr/>
+      <a:lstStyle/>
+      <a:style>
+        <a:lnRef idx="2">
+          <a:schemeClr val="accent1"/>
+        </a:lnRef>
+        <a:fillRef idx="0">
+          <a:schemeClr val="accent1"/>
+        </a:fillRef>
+        <a:effectRef idx="1">
+          <a:schemeClr val="accent1"/>
+        </a:effectRef>
+        <a:fontRef idx="minor">
+          <a:schemeClr val="tx1"/>
+        </a:fontRef>
+      </a:style>
+    </a:lnDef>
+  </a:objectDefaults>
+  <a:extraClrSchemeLst/>
+</a:theme>
 </file>
--- a/figures/figure.pptx
+++ b/figures/figure.pptx
@@ -5700,9 +5700,7 @@
             <a:avLst/>
           </a:prstGeom>
           <a:solidFill>
-            <a:schemeClr val="tx2">
-              <a:lumMod val="50000"/>
-            </a:schemeClr>
+            <a:schemeClr val="accent1"/>
           </a:solidFill>
           <a:ln>
             <a:solidFill>
@@ -5751,9 +5749,7 @@
             <a:avLst/>
           </a:prstGeom>
           <a:solidFill>
-            <a:schemeClr val="tx2">
-              <a:lumMod val="50000"/>
-            </a:schemeClr>
+            <a:schemeClr val="accent1"/>
           </a:solidFill>
           <a:ln>
             <a:solidFill>
@@ -5807,9 +5803,7 @@
             <a:avLst/>
           </a:prstGeom>
           <a:solidFill>
-            <a:schemeClr val="tx2">
-              <a:lumMod val="50000"/>
-            </a:schemeClr>
+            <a:schemeClr val="accent1"/>
           </a:solidFill>
           <a:ln>
             <a:solidFill>
@@ -6766,19 +6760,8 @@
                 <a:latin typeface="Verdana"/>
                 <a:cs typeface="Verdana"/>
               </a:rPr>
-              <a:t>multi-level </a:t>
+              <a:t>multi-level alignment</a:t>
             </a:r>
-            <a:r>
-              <a:rPr lang="en-US" sz="1000" dirty="0" smtClean="0">
-                <a:latin typeface="Verdana"/>
-                <a:cs typeface="Verdana"/>
-              </a:rPr>
-              <a:t>alignment</a:t>
-            </a:r>
-            <a:endParaRPr lang="en-US" sz="1000" dirty="0" smtClean="0">
-              <a:latin typeface="Verdana"/>
-              <a:cs typeface="Verdana"/>
-            </a:endParaRPr>
           </a:p>
         </p:txBody>
       </p:sp>
@@ -6885,20 +6868,18 @@
       <p:cxnSp>
         <p:nvCxnSpPr>
           <p:cNvPr id="4" name="Straight Connector 3"/>
-          <p:cNvCxnSpPr>
-            <a:stCxn id="306" idx="3"/>
-            <a:endCxn id="2" idx="2"/>
-          </p:cNvCxnSpPr>
+          <p:cNvCxnSpPr/>
           <p:nvPr/>
         </p:nvCxnSpPr>
         <p:spPr>
           <a:xfrm>
-            <a:off x="1468446" y="2258001"/>
-            <a:ext cx="171234" cy="142377"/>
+            <a:off x="1476912" y="2258001"/>
+            <a:ext cx="252121" cy="58313"/>
           </a:xfrm>
           <a:prstGeom prst="line">
             <a:avLst/>
           </a:prstGeom>
+          <a:ln w="12700" cmpd="sng"/>
         </p:spPr>
         <p:style>
           <a:lnRef idx="2">
@@ -6932,6 +6913,7 @@
           <a:prstGeom prst="line">
             <a:avLst/>
           </a:prstGeom>
+          <a:ln w="12700" cmpd="sng"/>
         </p:spPr>
         <p:style>
           <a:lnRef idx="2">
@@ -6953,18 +6935,18 @@
           <p:cNvPr id="8" name="Straight Connector 7"/>
           <p:cNvCxnSpPr>
             <a:stCxn id="308" idx="3"/>
-            <a:endCxn id="2" idx="2"/>
           </p:cNvCxnSpPr>
           <p:nvPr/>
         </p:nvCxnSpPr>
         <p:spPr>
           <a:xfrm flipV="1">
-            <a:off x="1473160" y="2400378"/>
-            <a:ext cx="166520" cy="145622"/>
+            <a:off x="1473160" y="2514600"/>
+            <a:ext cx="190877" cy="31400"/>
           </a:xfrm>
           <a:prstGeom prst="line">
             <a:avLst/>
           </a:prstGeom>
+          <a:ln w="12700" cmpd="sng"/>
         </p:spPr>
         <p:style>
           <a:lnRef idx="2">
@@ -7046,16 +7028,14 @@
         </p:nvSpPr>
         <p:spPr>
           <a:xfrm>
-            <a:off x="1350904" y="2208314"/>
+            <a:off x="1317040" y="2208314"/>
             <a:ext cx="94665" cy="108000"/>
           </a:xfrm>
           <a:prstGeom prst="ellipse">
             <a:avLst/>
           </a:prstGeom>
           <a:solidFill>
-            <a:schemeClr val="tx2">
-              <a:lumMod val="50000"/>
-            </a:schemeClr>
+            <a:schemeClr val="accent1"/>
           </a:solidFill>
           <a:ln>
             <a:solidFill>
@@ -7104,16 +7084,14 @@
         </p:nvSpPr>
         <p:spPr>
           <a:xfrm>
-            <a:off x="1346302" y="2338972"/>
+            <a:off x="1312438" y="2338972"/>
             <a:ext cx="108000" cy="108000"/>
           </a:xfrm>
           <a:prstGeom prst="triangle">
             <a:avLst/>
           </a:prstGeom>
           <a:solidFill>
-            <a:schemeClr val="tx2">
-              <a:lumMod val="50000"/>
-            </a:schemeClr>
+            <a:schemeClr val="accent1"/>
           </a:solidFill>
           <a:ln>
             <a:solidFill>
@@ -7162,16 +7140,14 @@
         </p:nvSpPr>
         <p:spPr>
           <a:xfrm>
-            <a:off x="1341160" y="2490437"/>
+            <a:off x="1307296" y="2490437"/>
             <a:ext cx="119502" cy="108000"/>
           </a:xfrm>
           <a:prstGeom prst="star7">
             <a:avLst/>
           </a:prstGeom>
           <a:solidFill>
-            <a:schemeClr val="tx2">
-              <a:lumMod val="50000"/>
-            </a:schemeClr>
+            <a:schemeClr val="accent1"/>
           </a:solidFill>
           <a:ln>
             <a:solidFill>
